--- a/各种图/数据管理系统/ER图.pptx
+++ b/各种图/数据管理系统/ER图.pptx
@@ -278,7 +278,7 @@
           <a:p>
             <a:fld id="{760FBDFE-C587-4B4C-A407-44438C67B59E}" type="datetimeFigureOut">
               <a:rPr lang="zh-CN" altLang="en-US" smtClean="0"/>
-              <a:t>2021/12/5</a:t>
+              <a:t>2021/12/6</a:t>
             </a:fld>
             <a:endParaRPr lang="zh-CN" altLang="en-US"/>
           </a:p>
@@ -586,7 +586,7 @@
           <a:p>
             <a:fld id="{760FBDFE-C587-4B4C-A407-44438C67B59E}" type="datetimeFigureOut">
               <a:rPr lang="zh-CN" altLang="en-US" smtClean="0"/>
-              <a:t>2021/12/5</a:t>
+              <a:t>2021/12/6</a:t>
             </a:fld>
             <a:endParaRPr lang="zh-CN" altLang="en-US"/>
           </a:p>
@@ -1407,7 +1407,7 @@
               <a:lstStyle/>
               <a:p>
                 <a:r>
-                  <a:rPr lang="en-US" altLang="zh-CN" sz="800"/>
+                  <a:rPr lang="en-US" altLang="zh-CN" sz="800" dirty="0"/>
                   <a:t>1</a:t>
                 </a:r>
               </a:p>
@@ -1658,7 +1658,7 @@
             <a:lstStyle/>
             <a:p>
               <a:r>
-                <a:rPr lang="en-US" altLang="zh-CN" sz="800"/>
+                <a:rPr lang="en-US" altLang="zh-CN" sz="800" dirty="0"/>
                 <a:t>1</a:t>
               </a:r>
             </a:p>
@@ -4729,7 +4729,7 @@
             <a:lstStyle/>
             <a:p>
               <a:r>
-                <a:rPr lang="en-US" altLang="zh-CN" sz="800"/>
+                <a:rPr lang="en-US" altLang="zh-CN" sz="800" dirty="0"/>
                 <a:t>1</a:t>
               </a:r>
             </a:p>
@@ -5503,6 +5503,626 @@
           </a:fontRef>
         </p:style>
       </p:cxnSp>
+      <p:sp>
+        <p:nvSpPr>
+          <p:cNvPr id="164" name="文本框 9">
+            <a:extLst>
+              <a:ext uri="{FF2B5EF4-FFF2-40B4-BE49-F238E27FC236}">
+                <a16:creationId xmlns:a16="http://schemas.microsoft.com/office/drawing/2014/main" id="{420CE1BA-2DC6-2345-9BA2-9DA78AA2A334}"/>
+              </a:ext>
+            </a:extLst>
+          </p:cNvPr>
+          <p:cNvSpPr txBox="1"/>
+          <p:nvPr/>
+        </p:nvSpPr>
+        <p:spPr>
+          <a:xfrm>
+            <a:off x="3832032" y="2142931"/>
+            <a:ext cx="239395" cy="213995"/>
+          </a:xfrm>
+          <a:prstGeom prst="rect">
+            <a:avLst/>
+          </a:prstGeom>
+          <a:noFill/>
+        </p:spPr>
+        <p:txBody>
+          <a:bodyPr wrap="square" rtlCol="0">
+            <a:spAutoFit/>
+          </a:bodyPr>
+          <a:lstStyle/>
+          <a:p>
+            <a:r>
+              <a:rPr lang="en-US" altLang="zh-CN" sz="800" dirty="0"/>
+              <a:t>n</a:t>
+            </a:r>
+          </a:p>
+        </p:txBody>
+      </p:sp>
+      <p:cxnSp>
+        <p:nvCxnSpPr>
+          <p:cNvPr id="190" name="直接连接符 81">
+            <a:extLst>
+              <a:ext uri="{FF2B5EF4-FFF2-40B4-BE49-F238E27FC236}">
+                <a16:creationId xmlns:a16="http://schemas.microsoft.com/office/drawing/2014/main" id="{F03292F5-3217-3343-AE7E-0FEB136972B2}"/>
+              </a:ext>
+            </a:extLst>
+          </p:cNvPr>
+          <p:cNvCxnSpPr>
+            <a:cxnSpLocks/>
+            <a:stCxn id="20" idx="0"/>
+            <a:endCxn id="132" idx="3"/>
+          </p:cNvCxnSpPr>
+          <p:nvPr/>
+        </p:nvCxnSpPr>
+        <p:spPr>
+          <a:xfrm flipH="1" flipV="1">
+            <a:off x="5031546" y="2021371"/>
+            <a:ext cx="997904" cy="453665"/>
+          </a:xfrm>
+          <a:prstGeom prst="line">
+            <a:avLst/>
+          </a:prstGeom>
+        </p:spPr>
+        <p:style>
+          <a:lnRef idx="1">
+            <a:schemeClr val="accent1"/>
+          </a:lnRef>
+          <a:fillRef idx="0">
+            <a:schemeClr val="accent1"/>
+          </a:fillRef>
+          <a:effectRef idx="0">
+            <a:schemeClr val="accent1"/>
+          </a:effectRef>
+          <a:fontRef idx="minor">
+            <a:schemeClr val="tx1"/>
+          </a:fontRef>
+        </p:style>
+      </p:cxnSp>
+      <p:sp>
+        <p:nvSpPr>
+          <p:cNvPr id="200" name="文本框 8">
+            <a:extLst>
+              <a:ext uri="{FF2B5EF4-FFF2-40B4-BE49-F238E27FC236}">
+                <a16:creationId xmlns:a16="http://schemas.microsoft.com/office/drawing/2014/main" id="{95C74789-AF76-AB47-A2A4-EE0BCA0FE392}"/>
+              </a:ext>
+            </a:extLst>
+          </p:cNvPr>
+          <p:cNvSpPr txBox="1"/>
+          <p:nvPr/>
+        </p:nvSpPr>
+        <p:spPr>
+          <a:xfrm>
+            <a:off x="5404472" y="2011170"/>
+            <a:ext cx="239395" cy="213995"/>
+          </a:xfrm>
+          <a:prstGeom prst="rect">
+            <a:avLst/>
+          </a:prstGeom>
+          <a:noFill/>
+        </p:spPr>
+        <p:txBody>
+          <a:bodyPr wrap="square" rtlCol="0">
+            <a:spAutoFit/>
+          </a:bodyPr>
+          <a:lstStyle/>
+          <a:p>
+            <a:r>
+              <a:rPr lang="en-US" altLang="zh-CN" sz="800" dirty="0"/>
+              <a:t>1</a:t>
+            </a:r>
+          </a:p>
+        </p:txBody>
+      </p:sp>
+      <p:cxnSp>
+        <p:nvCxnSpPr>
+          <p:cNvPr id="12" name="Curved Connector 11">
+            <a:extLst>
+              <a:ext uri="{FF2B5EF4-FFF2-40B4-BE49-F238E27FC236}">
+                <a16:creationId xmlns:a16="http://schemas.microsoft.com/office/drawing/2014/main" id="{7E4A7B8B-7890-5B47-9DE9-DDF514CCBDA8}"/>
+              </a:ext>
+            </a:extLst>
+          </p:cNvPr>
+          <p:cNvCxnSpPr>
+            <a:stCxn id="165" idx="0"/>
+            <a:endCxn id="165" idx="2"/>
+          </p:cNvCxnSpPr>
+          <p:nvPr/>
+        </p:nvCxnSpPr>
+        <p:spPr>
+          <a:xfrm rot="16200000" flipH="1">
+            <a:off x="5808152" y="4452729"/>
+            <a:ext cx="442595" cy="12700"/>
+          </a:xfrm>
+          <a:prstGeom prst="curvedConnector5">
+            <a:avLst>
+              <a:gd name="adj1" fmla="val -51650"/>
+              <a:gd name="adj2" fmla="val 4537504"/>
+              <a:gd name="adj3" fmla="val 151650"/>
+            </a:avLst>
+          </a:prstGeom>
+          <a:ln>
+            <a:tailEnd type="triangle"/>
+          </a:ln>
+        </p:spPr>
+        <p:style>
+          <a:lnRef idx="1">
+            <a:schemeClr val="accent1"/>
+          </a:lnRef>
+          <a:fillRef idx="0">
+            <a:schemeClr val="accent1"/>
+          </a:fillRef>
+          <a:effectRef idx="0">
+            <a:schemeClr val="accent1"/>
+          </a:effectRef>
+          <a:fontRef idx="minor">
+            <a:schemeClr val="tx1"/>
+          </a:fontRef>
+        </p:style>
+      </p:cxnSp>
+      <p:sp>
+        <p:nvSpPr>
+          <p:cNvPr id="202" name="文本框 177">
+            <a:extLst>
+              <a:ext uri="{FF2B5EF4-FFF2-40B4-BE49-F238E27FC236}">
+                <a16:creationId xmlns:a16="http://schemas.microsoft.com/office/drawing/2014/main" id="{73B4CEC8-DE70-8748-AA9C-D924221A49F8}"/>
+              </a:ext>
+            </a:extLst>
+          </p:cNvPr>
+          <p:cNvSpPr txBox="1"/>
+          <p:nvPr/>
+        </p:nvSpPr>
+        <p:spPr>
+          <a:xfrm>
+            <a:off x="6215028" y="3849479"/>
+            <a:ext cx="239395" cy="213995"/>
+          </a:xfrm>
+          <a:prstGeom prst="rect">
+            <a:avLst/>
+          </a:prstGeom>
+          <a:noFill/>
+        </p:spPr>
+        <p:txBody>
+          <a:bodyPr wrap="square" rtlCol="0">
+            <a:spAutoFit/>
+          </a:bodyPr>
+          <a:lstStyle/>
+          <a:p>
+            <a:r>
+              <a:rPr lang="en-US" altLang="zh-CN" sz="800" dirty="0"/>
+              <a:t>1</a:t>
+            </a:r>
+          </a:p>
+        </p:txBody>
+      </p:sp>
+      <p:sp>
+        <p:nvSpPr>
+          <p:cNvPr id="203" name="文本框 178">
+            <a:extLst>
+              <a:ext uri="{FF2B5EF4-FFF2-40B4-BE49-F238E27FC236}">
+                <a16:creationId xmlns:a16="http://schemas.microsoft.com/office/drawing/2014/main" id="{61FBBCA5-67E1-E540-B3CD-7179E351F75B}"/>
+              </a:ext>
+            </a:extLst>
+          </p:cNvPr>
+          <p:cNvSpPr txBox="1"/>
+          <p:nvPr/>
+        </p:nvSpPr>
+        <p:spPr>
+          <a:xfrm>
+            <a:off x="6215028" y="4874004"/>
+            <a:ext cx="239395" cy="213995"/>
+          </a:xfrm>
+          <a:prstGeom prst="rect">
+            <a:avLst/>
+          </a:prstGeom>
+          <a:noFill/>
+        </p:spPr>
+        <p:txBody>
+          <a:bodyPr wrap="square" rtlCol="0">
+            <a:spAutoFit/>
+          </a:bodyPr>
+          <a:lstStyle/>
+          <a:p>
+            <a:r>
+              <a:rPr lang="en-US" altLang="zh-CN" sz="800" dirty="0"/>
+              <a:t>n</a:t>
+            </a:r>
+          </a:p>
+        </p:txBody>
+      </p:sp>
+      <p:sp>
+        <p:nvSpPr>
+          <p:cNvPr id="204" name="菱形 179">
+            <a:extLst>
+              <a:ext uri="{FF2B5EF4-FFF2-40B4-BE49-F238E27FC236}">
+                <a16:creationId xmlns:a16="http://schemas.microsoft.com/office/drawing/2014/main" id="{C72A8C2B-D711-BF4E-B978-97570864320A}"/>
+              </a:ext>
+            </a:extLst>
+          </p:cNvPr>
+          <p:cNvSpPr/>
+          <p:nvPr/>
+        </p:nvSpPr>
+        <p:spPr>
+          <a:xfrm>
+            <a:off x="4949154" y="3199506"/>
+            <a:ext cx="788035" cy="318135"/>
+          </a:xfrm>
+          <a:prstGeom prst="diamond">
+            <a:avLst/>
+          </a:prstGeom>
+        </p:spPr>
+        <p:style>
+          <a:lnRef idx="2">
+            <a:schemeClr val="accent6"/>
+          </a:lnRef>
+          <a:fillRef idx="1">
+            <a:schemeClr val="lt1"/>
+          </a:fillRef>
+          <a:effectRef idx="0">
+            <a:schemeClr val="accent6"/>
+          </a:effectRef>
+          <a:fontRef idx="minor">
+            <a:schemeClr val="dk1"/>
+          </a:fontRef>
+        </p:style>
+        <p:txBody>
+          <a:bodyPr rtlCol="0" anchor="ctr"/>
+          <a:lstStyle/>
+          <a:p>
+            <a:pPr algn="ctr"/>
+            <a:r>
+              <a:rPr lang="zh-CN" altLang="en-US" sz="800" dirty="0"/>
+              <a:t>包含</a:t>
+            </a:r>
+          </a:p>
+        </p:txBody>
+      </p:sp>
+      <p:cxnSp>
+        <p:nvCxnSpPr>
+          <p:cNvPr id="205" name="直接连接符 7">
+            <a:extLst>
+              <a:ext uri="{FF2B5EF4-FFF2-40B4-BE49-F238E27FC236}">
+                <a16:creationId xmlns:a16="http://schemas.microsoft.com/office/drawing/2014/main" id="{FDA59676-130D-BD4D-BF02-0D2AAFA9408C}"/>
+              </a:ext>
+            </a:extLst>
+          </p:cNvPr>
+          <p:cNvCxnSpPr>
+            <a:cxnSpLocks/>
+            <a:stCxn id="165" idx="1"/>
+            <a:endCxn id="204" idx="2"/>
+          </p:cNvCxnSpPr>
+          <p:nvPr/>
+        </p:nvCxnSpPr>
+        <p:spPr>
+          <a:xfrm flipH="1" flipV="1">
+            <a:off x="5343172" y="3517641"/>
+            <a:ext cx="338615" cy="935089"/>
+          </a:xfrm>
+          <a:prstGeom prst="line">
+            <a:avLst/>
+          </a:prstGeom>
+        </p:spPr>
+        <p:style>
+          <a:lnRef idx="1">
+            <a:schemeClr val="accent1"/>
+          </a:lnRef>
+          <a:fillRef idx="0">
+            <a:schemeClr val="accent1"/>
+          </a:fillRef>
+          <a:effectRef idx="0">
+            <a:schemeClr val="accent1"/>
+          </a:effectRef>
+          <a:fontRef idx="minor">
+            <a:schemeClr val="tx1"/>
+          </a:fontRef>
+        </p:style>
+      </p:cxnSp>
+      <p:cxnSp>
+        <p:nvCxnSpPr>
+          <p:cNvPr id="206" name="直接连接符 7">
+            <a:extLst>
+              <a:ext uri="{FF2B5EF4-FFF2-40B4-BE49-F238E27FC236}">
+                <a16:creationId xmlns:a16="http://schemas.microsoft.com/office/drawing/2014/main" id="{04179861-1573-C648-9ACC-9CBE8F3112FE}"/>
+              </a:ext>
+            </a:extLst>
+          </p:cNvPr>
+          <p:cNvCxnSpPr>
+            <a:cxnSpLocks/>
+            <a:stCxn id="20" idx="1"/>
+            <a:endCxn id="204" idx="0"/>
+          </p:cNvCxnSpPr>
+          <p:nvPr/>
+        </p:nvCxnSpPr>
+        <p:spPr>
+          <a:xfrm flipH="1">
+            <a:off x="5343172" y="2696334"/>
+            <a:ext cx="338615" cy="503172"/>
+          </a:xfrm>
+          <a:prstGeom prst="line">
+            <a:avLst/>
+          </a:prstGeom>
+        </p:spPr>
+        <p:style>
+          <a:lnRef idx="1">
+            <a:schemeClr val="accent1"/>
+          </a:lnRef>
+          <a:fillRef idx="0">
+            <a:schemeClr val="accent1"/>
+          </a:fillRef>
+          <a:effectRef idx="0">
+            <a:schemeClr val="accent1"/>
+          </a:effectRef>
+          <a:fontRef idx="minor">
+            <a:schemeClr val="tx1"/>
+          </a:fontRef>
+        </p:style>
+      </p:cxnSp>
+      <p:sp>
+        <p:nvSpPr>
+          <p:cNvPr id="207" name="文本框 178">
+            <a:extLst>
+              <a:ext uri="{FF2B5EF4-FFF2-40B4-BE49-F238E27FC236}">
+                <a16:creationId xmlns:a16="http://schemas.microsoft.com/office/drawing/2014/main" id="{CE23F9B1-FDEF-0D4E-B795-D29521FE4493}"/>
+              </a:ext>
+            </a:extLst>
+          </p:cNvPr>
+          <p:cNvSpPr txBox="1"/>
+          <p:nvPr/>
+        </p:nvSpPr>
+        <p:spPr>
+          <a:xfrm>
+            <a:off x="5314043" y="2849353"/>
+            <a:ext cx="239395" cy="213995"/>
+          </a:xfrm>
+          <a:prstGeom prst="rect">
+            <a:avLst/>
+          </a:prstGeom>
+          <a:noFill/>
+        </p:spPr>
+        <p:txBody>
+          <a:bodyPr wrap="square" rtlCol="0">
+            <a:spAutoFit/>
+          </a:bodyPr>
+          <a:lstStyle/>
+          <a:p>
+            <a:r>
+              <a:rPr lang="en-US" altLang="zh-CN" sz="800" dirty="0"/>
+              <a:t>n</a:t>
+            </a:r>
+          </a:p>
+        </p:txBody>
+      </p:sp>
+      <p:sp>
+        <p:nvSpPr>
+          <p:cNvPr id="208" name="文本框 177">
+            <a:extLst>
+              <a:ext uri="{FF2B5EF4-FFF2-40B4-BE49-F238E27FC236}">
+                <a16:creationId xmlns:a16="http://schemas.microsoft.com/office/drawing/2014/main" id="{9F5C95C0-0D18-F344-93D3-8B0A4E3B596F}"/>
+              </a:ext>
+            </a:extLst>
+          </p:cNvPr>
+          <p:cNvSpPr txBox="1"/>
+          <p:nvPr/>
+        </p:nvSpPr>
+        <p:spPr>
+          <a:xfrm>
+            <a:off x="5256018" y="3816384"/>
+            <a:ext cx="239395" cy="213995"/>
+          </a:xfrm>
+          <a:prstGeom prst="rect">
+            <a:avLst/>
+          </a:prstGeom>
+          <a:noFill/>
+        </p:spPr>
+        <p:txBody>
+          <a:bodyPr wrap="square" rtlCol="0">
+            <a:spAutoFit/>
+          </a:bodyPr>
+          <a:lstStyle/>
+          <a:p>
+            <a:r>
+              <a:rPr lang="en-US" altLang="zh-CN" sz="800" dirty="0"/>
+              <a:t>1</a:t>
+            </a:r>
+          </a:p>
+        </p:txBody>
+      </p:sp>
+      <p:sp>
+        <p:nvSpPr>
+          <p:cNvPr id="209" name="菱形 179">
+            <a:extLst>
+              <a:ext uri="{FF2B5EF4-FFF2-40B4-BE49-F238E27FC236}">
+                <a16:creationId xmlns:a16="http://schemas.microsoft.com/office/drawing/2014/main" id="{27F2CBA3-D4E9-9840-BF66-AFAD3F762953}"/>
+              </a:ext>
+            </a:extLst>
+          </p:cNvPr>
+          <p:cNvSpPr/>
+          <p:nvPr/>
+        </p:nvSpPr>
+        <p:spPr>
+          <a:xfrm>
+            <a:off x="3964803" y="3218973"/>
+            <a:ext cx="788035" cy="318135"/>
+          </a:xfrm>
+          <a:prstGeom prst="diamond">
+            <a:avLst/>
+          </a:prstGeom>
+        </p:spPr>
+        <p:style>
+          <a:lnRef idx="2">
+            <a:schemeClr val="accent6"/>
+          </a:lnRef>
+          <a:fillRef idx="1">
+            <a:schemeClr val="lt1"/>
+          </a:fillRef>
+          <a:effectRef idx="0">
+            <a:schemeClr val="accent6"/>
+          </a:effectRef>
+          <a:fontRef idx="minor">
+            <a:schemeClr val="dk1"/>
+          </a:fontRef>
+        </p:style>
+        <p:txBody>
+          <a:bodyPr rtlCol="0" anchor="ctr"/>
+          <a:lstStyle/>
+          <a:p>
+            <a:pPr algn="ctr"/>
+            <a:r>
+              <a:rPr lang="zh-CN" altLang="en-US" sz="800" dirty="0"/>
+              <a:t>包含</a:t>
+            </a:r>
+          </a:p>
+        </p:txBody>
+      </p:sp>
+      <p:cxnSp>
+        <p:nvCxnSpPr>
+          <p:cNvPr id="210" name="直接连接符 7">
+            <a:extLst>
+              <a:ext uri="{FF2B5EF4-FFF2-40B4-BE49-F238E27FC236}">
+                <a16:creationId xmlns:a16="http://schemas.microsoft.com/office/drawing/2014/main" id="{BE0346C7-0BDD-EA40-8E14-6212E7D30A0A}"/>
+              </a:ext>
+            </a:extLst>
+          </p:cNvPr>
+          <p:cNvCxnSpPr>
+            <a:cxnSpLocks/>
+            <a:stCxn id="165" idx="1"/>
+            <a:endCxn id="209" idx="2"/>
+          </p:cNvCxnSpPr>
+          <p:nvPr/>
+        </p:nvCxnSpPr>
+        <p:spPr>
+          <a:xfrm flipH="1" flipV="1">
+            <a:off x="4358821" y="3537108"/>
+            <a:ext cx="1322966" cy="915622"/>
+          </a:xfrm>
+          <a:prstGeom prst="line">
+            <a:avLst/>
+          </a:prstGeom>
+        </p:spPr>
+        <p:style>
+          <a:lnRef idx="1">
+            <a:schemeClr val="accent1"/>
+          </a:lnRef>
+          <a:fillRef idx="0">
+            <a:schemeClr val="accent1"/>
+          </a:fillRef>
+          <a:effectRef idx="0">
+            <a:schemeClr val="accent1"/>
+          </a:effectRef>
+          <a:fontRef idx="minor">
+            <a:schemeClr val="tx1"/>
+          </a:fontRef>
+        </p:style>
+      </p:cxnSp>
+      <p:cxnSp>
+        <p:nvCxnSpPr>
+          <p:cNvPr id="211" name="直接连接符 7">
+            <a:extLst>
+              <a:ext uri="{FF2B5EF4-FFF2-40B4-BE49-F238E27FC236}">
+                <a16:creationId xmlns:a16="http://schemas.microsoft.com/office/drawing/2014/main" id="{DA8D9345-74E4-8948-B3EA-56C47BE326FB}"/>
+              </a:ext>
+            </a:extLst>
+          </p:cNvPr>
+          <p:cNvCxnSpPr>
+            <a:cxnSpLocks/>
+            <a:stCxn id="209" idx="0"/>
+            <a:endCxn id="4" idx="3"/>
+          </p:cNvCxnSpPr>
+          <p:nvPr/>
+        </p:nvCxnSpPr>
+        <p:spPr>
+          <a:xfrm flipH="1" flipV="1">
+            <a:off x="3685982" y="2703954"/>
+            <a:ext cx="672839" cy="515019"/>
+          </a:xfrm>
+          <a:prstGeom prst="line">
+            <a:avLst/>
+          </a:prstGeom>
+        </p:spPr>
+        <p:style>
+          <a:lnRef idx="1">
+            <a:schemeClr val="accent1"/>
+          </a:lnRef>
+          <a:fillRef idx="0">
+            <a:schemeClr val="accent1"/>
+          </a:fillRef>
+          <a:effectRef idx="0">
+            <a:schemeClr val="accent1"/>
+          </a:effectRef>
+          <a:fontRef idx="minor">
+            <a:schemeClr val="tx1"/>
+          </a:fontRef>
+        </p:style>
+      </p:cxnSp>
+      <p:sp>
+        <p:nvSpPr>
+          <p:cNvPr id="212" name="文本框 28">
+            <a:extLst>
+              <a:ext uri="{FF2B5EF4-FFF2-40B4-BE49-F238E27FC236}">
+                <a16:creationId xmlns:a16="http://schemas.microsoft.com/office/drawing/2014/main" id="{29A14084-1343-A142-9809-A9C9BEE6ECB4}"/>
+              </a:ext>
+            </a:extLst>
+          </p:cNvPr>
+          <p:cNvSpPr txBox="1"/>
+          <p:nvPr/>
+        </p:nvSpPr>
+        <p:spPr>
+          <a:xfrm>
+            <a:off x="3832032" y="2870959"/>
+            <a:ext cx="239395" cy="213995"/>
+          </a:xfrm>
+          <a:prstGeom prst="rect">
+            <a:avLst/>
+          </a:prstGeom>
+          <a:noFill/>
+        </p:spPr>
+        <p:txBody>
+          <a:bodyPr wrap="square" rtlCol="0">
+            <a:spAutoFit/>
+          </a:bodyPr>
+          <a:lstStyle/>
+          <a:p>
+            <a:r>
+              <a:rPr lang="en-US" altLang="zh-CN" sz="800" dirty="0"/>
+              <a:t>n</a:t>
+            </a:r>
+          </a:p>
+        </p:txBody>
+      </p:sp>
+      <p:sp>
+        <p:nvSpPr>
+          <p:cNvPr id="213" name="文本框 27">
+            <a:extLst>
+              <a:ext uri="{FF2B5EF4-FFF2-40B4-BE49-F238E27FC236}">
+                <a16:creationId xmlns:a16="http://schemas.microsoft.com/office/drawing/2014/main" id="{2FF55E22-2B3D-C949-9456-C9183EF9C7F2}"/>
+              </a:ext>
+            </a:extLst>
+          </p:cNvPr>
+          <p:cNvSpPr txBox="1"/>
+          <p:nvPr/>
+        </p:nvSpPr>
+        <p:spPr>
+          <a:xfrm>
+            <a:off x="4623560" y="3816384"/>
+            <a:ext cx="239395" cy="213995"/>
+          </a:xfrm>
+          <a:prstGeom prst="rect">
+            <a:avLst/>
+          </a:prstGeom>
+          <a:noFill/>
+        </p:spPr>
+        <p:txBody>
+          <a:bodyPr wrap="square" rtlCol="0">
+            <a:spAutoFit/>
+          </a:bodyPr>
+          <a:lstStyle/>
+          <a:p>
+            <a:r>
+              <a:rPr lang="en-US" altLang="zh-CN" sz="800" dirty="0"/>
+              <a:t>1</a:t>
+            </a:r>
+          </a:p>
+        </p:txBody>
+      </p:sp>
     </p:spTree>
     <p:custDataLst>
       <p:tags r:id="rId1"/>
@@ -8589,14 +9209,14 @@
           <p:nvPr>
             <p:extLst>
               <p:ext uri="{D42A27DB-BD31-4B8C-83A1-F6EECF244321}">
-                <p14:modId xmlns:p14="http://schemas.microsoft.com/office/powerpoint/2010/main" val="2393149415"/>
+                <p14:modId xmlns:p14="http://schemas.microsoft.com/office/powerpoint/2010/main" val="1422605525"/>
               </p:ext>
             </p:extLst>
           </p:nvPr>
         </p:nvGraphicFramePr>
         <p:xfrm>
           <a:off x="1032792" y="2350193"/>
-          <a:ext cx="7624800" cy="2397760"/>
+          <a:ext cx="7624800" cy="3042920"/>
         </p:xfrm>
         <a:graphic>
           <a:graphicData uri="http://schemas.openxmlformats.org/drawingml/2006/table">
@@ -8738,6 +9358,17 @@
                         <a:rPr lang="en-US" altLang="zh-CN" dirty="0"/>
                         <a:t>]</a:t>
                       </a:r>
+                    </a:p>
+                    <a:p>
+                      <a:pPr marL="225425" indent="-225425" algn="l">
+                        <a:buAutoNum type="arabicPeriod"/>
+                        <a:tabLst/>
+                      </a:pPr>
+                      <a:r>
+                        <a:rPr lang="zh-CN" altLang="en-US" dirty="0"/>
+                        <a:t>一个用户有一个分享列表。</a:t>
+                      </a:r>
+                      <a:endParaRPr lang="en-US" altLang="zh-CN" dirty="0"/>
                     </a:p>
                   </a:txBody>
                   <a:tcPr anchor="ctr"/>
@@ -9121,6 +9752,41 @@
                 <a:extLst>
                   <a:ext uri="{0D108BD9-81ED-4DB2-BD59-A6C34878D82A}">
                     <a16:rowId xmlns:a16="http://schemas.microsoft.com/office/drawing/2014/main" val="3173332948"/>
+                  </a:ext>
+                </a:extLst>
+              </a:tr>
+              <a:tr h="370840">
+                <a:tc>
+                  <a:txBody>
+                    <a:bodyPr/>
+                    <a:lstStyle/>
+                    <a:p>
+                      <a:pPr algn="ctr"/>
+                      <a:r>
+                        <a:rPr lang="zh-CN" altLang="en-US" dirty="0"/>
+                        <a:t>分享列表</a:t>
+                      </a:r>
+                    </a:p>
+                  </a:txBody>
+                  <a:tcPr anchor="ctr"/>
+                </a:tc>
+                <a:tc>
+                  <a:txBody>
+                    <a:bodyPr/>
+                    <a:lstStyle/>
+                    <a:p>
+                      <a:pPr algn="l"/>
+                      <a:r>
+                        <a:rPr lang="zh-CN" altLang="en-US" dirty="0"/>
+                        <a:t>一个分享列表可以包含多个项目或文件</a:t>
+                      </a:r>
+                    </a:p>
+                  </a:txBody>
+                  <a:tcPr anchor="ctr"/>
+                </a:tc>
+                <a:extLst>
+                  <a:ext uri="{0D108BD9-81ED-4DB2-BD59-A6C34878D82A}">
+                    <a16:rowId xmlns:a16="http://schemas.microsoft.com/office/drawing/2014/main" val="1093490911"/>
                   </a:ext>
                 </a:extLst>
               </a:tr>
@@ -9962,6 +10628,402 @@
           </p:txBody>
         </p:sp>
       </p:grpSp>
+      <p:cxnSp>
+        <p:nvCxnSpPr>
+          <p:cNvPr id="35" name="直线连接符 10">
+            <a:extLst>
+              <a:ext uri="{FF2B5EF4-FFF2-40B4-BE49-F238E27FC236}">
+                <a16:creationId xmlns:a16="http://schemas.microsoft.com/office/drawing/2014/main" id="{F67AB0FE-F5C4-3E45-A907-FD876EFFF3AD}"/>
+              </a:ext>
+            </a:extLst>
+          </p:cNvPr>
+          <p:cNvCxnSpPr>
+            <a:cxnSpLocks/>
+            <a:stCxn id="6" idx="1"/>
+          </p:cNvCxnSpPr>
+          <p:nvPr/>
+        </p:nvCxnSpPr>
+        <p:spPr>
+          <a:xfrm flipH="1">
+            <a:off x="9680895" y="1981053"/>
+            <a:ext cx="405837" cy="0"/>
+          </a:xfrm>
+          <a:prstGeom prst="line">
+            <a:avLst/>
+          </a:prstGeom>
+          <a:ln/>
+        </p:spPr>
+        <p:style>
+          <a:lnRef idx="3">
+            <a:schemeClr val="dk1"/>
+          </a:lnRef>
+          <a:fillRef idx="0">
+            <a:schemeClr val="dk1"/>
+          </a:fillRef>
+          <a:effectRef idx="2">
+            <a:schemeClr val="dk1"/>
+          </a:effectRef>
+          <a:fontRef idx="minor">
+            <a:schemeClr val="tx1"/>
+          </a:fontRef>
+        </p:style>
+      </p:cxnSp>
+      <p:cxnSp>
+        <p:nvCxnSpPr>
+          <p:cNvPr id="37" name="直线连接符 10">
+            <a:extLst>
+              <a:ext uri="{FF2B5EF4-FFF2-40B4-BE49-F238E27FC236}">
+                <a16:creationId xmlns:a16="http://schemas.microsoft.com/office/drawing/2014/main" id="{0E7B90E3-9710-9140-B06E-CA544B198214}"/>
+              </a:ext>
+            </a:extLst>
+          </p:cNvPr>
+          <p:cNvCxnSpPr>
+            <a:cxnSpLocks/>
+          </p:cNvCxnSpPr>
+          <p:nvPr/>
+        </p:nvCxnSpPr>
+        <p:spPr>
+          <a:xfrm flipH="1">
+            <a:off x="9680894" y="5128322"/>
+            <a:ext cx="405837" cy="0"/>
+          </a:xfrm>
+          <a:prstGeom prst="line">
+            <a:avLst/>
+          </a:prstGeom>
+          <a:ln/>
+        </p:spPr>
+        <p:style>
+          <a:lnRef idx="3">
+            <a:schemeClr val="dk1"/>
+          </a:lnRef>
+          <a:fillRef idx="0">
+            <a:schemeClr val="dk1"/>
+          </a:fillRef>
+          <a:effectRef idx="2">
+            <a:schemeClr val="dk1"/>
+          </a:effectRef>
+          <a:fontRef idx="minor">
+            <a:schemeClr val="tx1"/>
+          </a:fontRef>
+        </p:style>
+      </p:cxnSp>
+      <p:cxnSp>
+        <p:nvCxnSpPr>
+          <p:cNvPr id="38" name="直线连接符 10">
+            <a:extLst>
+              <a:ext uri="{FF2B5EF4-FFF2-40B4-BE49-F238E27FC236}">
+                <a16:creationId xmlns:a16="http://schemas.microsoft.com/office/drawing/2014/main" id="{B95DBD5E-0D3C-5648-BDFD-F66FD44B4B64}"/>
+              </a:ext>
+            </a:extLst>
+          </p:cNvPr>
+          <p:cNvCxnSpPr>
+            <a:cxnSpLocks/>
+          </p:cNvCxnSpPr>
+          <p:nvPr/>
+        </p:nvCxnSpPr>
+        <p:spPr>
+          <a:xfrm flipV="1">
+            <a:off x="9680894" y="1981053"/>
+            <a:ext cx="1" cy="3147269"/>
+          </a:xfrm>
+          <a:prstGeom prst="line">
+            <a:avLst/>
+          </a:prstGeom>
+          <a:ln/>
+        </p:spPr>
+        <p:style>
+          <a:lnRef idx="3">
+            <a:schemeClr val="dk1"/>
+          </a:lnRef>
+          <a:fillRef idx="0">
+            <a:schemeClr val="dk1"/>
+          </a:fillRef>
+          <a:effectRef idx="2">
+            <a:schemeClr val="dk1"/>
+          </a:effectRef>
+          <a:fontRef idx="minor">
+            <a:schemeClr val="tx1"/>
+          </a:fontRef>
+        </p:style>
+      </p:cxnSp>
+      <p:sp>
+        <p:nvSpPr>
+          <p:cNvPr id="39" name="文本框 30">
+            <a:extLst>
+              <a:ext uri="{FF2B5EF4-FFF2-40B4-BE49-F238E27FC236}">
+                <a16:creationId xmlns:a16="http://schemas.microsoft.com/office/drawing/2014/main" id="{3D0E05DC-069D-ED41-97C7-B84AFE9C7EEE}"/>
+              </a:ext>
+            </a:extLst>
+          </p:cNvPr>
+          <p:cNvSpPr txBox="1"/>
+          <p:nvPr/>
+        </p:nvSpPr>
+        <p:spPr>
+          <a:xfrm>
+            <a:off x="9699252" y="5128322"/>
+            <a:ext cx="282450" cy="292388"/>
+          </a:xfrm>
+          <a:prstGeom prst="rect">
+            <a:avLst/>
+          </a:prstGeom>
+          <a:noFill/>
+        </p:spPr>
+        <p:txBody>
+          <a:bodyPr wrap="square" rtlCol="0">
+            <a:spAutoFit/>
+          </a:bodyPr>
+          <a:lstStyle/>
+          <a:p>
+            <a:r>
+              <a:rPr kumimoji="1" lang="en-US" altLang="zh-CN" sz="1300" dirty="0">
+                <a:latin typeface="Microsoft YaHei" panose="020B0503020204020204" pitchFamily="34" charset="-122"/>
+                <a:ea typeface="Microsoft YaHei" panose="020B0503020204020204" pitchFamily="34" charset="-122"/>
+              </a:rPr>
+              <a:t>1</a:t>
+            </a:r>
+            <a:endParaRPr kumimoji="1" lang="zh-CN" altLang="en-US" sz="1300" dirty="0">
+              <a:latin typeface="Microsoft YaHei" panose="020B0503020204020204" pitchFamily="34" charset="-122"/>
+              <a:ea typeface="Microsoft YaHei" panose="020B0503020204020204" pitchFamily="34" charset="-122"/>
+            </a:endParaRPr>
+          </a:p>
+        </p:txBody>
+      </p:sp>
+      <p:sp>
+        <p:nvSpPr>
+          <p:cNvPr id="40" name="文本框 31">
+            <a:extLst>
+              <a:ext uri="{FF2B5EF4-FFF2-40B4-BE49-F238E27FC236}">
+                <a16:creationId xmlns:a16="http://schemas.microsoft.com/office/drawing/2014/main" id="{DBBE8626-250C-0C4D-902A-E3430339A7EC}"/>
+              </a:ext>
+            </a:extLst>
+          </p:cNvPr>
+          <p:cNvSpPr txBox="1"/>
+          <p:nvPr/>
+        </p:nvSpPr>
+        <p:spPr>
+          <a:xfrm>
+            <a:off x="9694444" y="1664758"/>
+            <a:ext cx="287258" cy="292388"/>
+          </a:xfrm>
+          <a:prstGeom prst="rect">
+            <a:avLst/>
+          </a:prstGeom>
+          <a:noFill/>
+        </p:spPr>
+        <p:txBody>
+          <a:bodyPr wrap="square" rtlCol="0">
+            <a:spAutoFit/>
+          </a:bodyPr>
+          <a:lstStyle/>
+          <a:p>
+            <a:r>
+              <a:rPr kumimoji="1" lang="en-US" altLang="zh-CN" sz="1300" dirty="0">
+                <a:latin typeface="Microsoft YaHei" panose="020B0503020204020204" pitchFamily="34" charset="-122"/>
+                <a:ea typeface="Microsoft YaHei" panose="020B0503020204020204" pitchFamily="34" charset="-122"/>
+              </a:rPr>
+              <a:t>n</a:t>
+            </a:r>
+            <a:endParaRPr kumimoji="1" lang="zh-CN" altLang="en-US" sz="1300" dirty="0">
+              <a:latin typeface="Microsoft YaHei" panose="020B0503020204020204" pitchFamily="34" charset="-122"/>
+              <a:ea typeface="Microsoft YaHei" panose="020B0503020204020204" pitchFamily="34" charset="-122"/>
+            </a:endParaRPr>
+          </a:p>
+        </p:txBody>
+      </p:sp>
+      <p:cxnSp>
+        <p:nvCxnSpPr>
+          <p:cNvPr id="41" name="直线连接符 10">
+            <a:extLst>
+              <a:ext uri="{FF2B5EF4-FFF2-40B4-BE49-F238E27FC236}">
+                <a16:creationId xmlns:a16="http://schemas.microsoft.com/office/drawing/2014/main" id="{949B0C57-F309-4F4F-B8FE-009532BDEAE9}"/>
+              </a:ext>
+            </a:extLst>
+          </p:cNvPr>
+          <p:cNvCxnSpPr>
+            <a:cxnSpLocks/>
+          </p:cNvCxnSpPr>
+          <p:nvPr/>
+        </p:nvCxnSpPr>
+        <p:spPr>
+          <a:xfrm flipH="1">
+            <a:off x="9694444" y="3026399"/>
+            <a:ext cx="405837" cy="0"/>
+          </a:xfrm>
+          <a:prstGeom prst="line">
+            <a:avLst/>
+          </a:prstGeom>
+          <a:ln/>
+        </p:spPr>
+        <p:style>
+          <a:lnRef idx="3">
+            <a:schemeClr val="dk1"/>
+          </a:lnRef>
+          <a:fillRef idx="0">
+            <a:schemeClr val="dk1"/>
+          </a:fillRef>
+          <a:effectRef idx="2">
+            <a:schemeClr val="dk1"/>
+          </a:effectRef>
+          <a:fontRef idx="minor">
+            <a:schemeClr val="tx1"/>
+          </a:fontRef>
+        </p:style>
+      </p:cxnSp>
+      <p:cxnSp>
+        <p:nvCxnSpPr>
+          <p:cNvPr id="42" name="直线连接符 10">
+            <a:extLst>
+              <a:ext uri="{FF2B5EF4-FFF2-40B4-BE49-F238E27FC236}">
+                <a16:creationId xmlns:a16="http://schemas.microsoft.com/office/drawing/2014/main" id="{A3CCAAFB-23AE-364C-8E21-88F4C804C830}"/>
+              </a:ext>
+            </a:extLst>
+          </p:cNvPr>
+          <p:cNvCxnSpPr>
+            <a:cxnSpLocks/>
+          </p:cNvCxnSpPr>
+          <p:nvPr/>
+        </p:nvCxnSpPr>
+        <p:spPr>
+          <a:xfrm flipH="1">
+            <a:off x="9680894" y="4071746"/>
+            <a:ext cx="405837" cy="0"/>
+          </a:xfrm>
+          <a:prstGeom prst="line">
+            <a:avLst/>
+          </a:prstGeom>
+          <a:ln/>
+        </p:spPr>
+        <p:style>
+          <a:lnRef idx="3">
+            <a:schemeClr val="dk1"/>
+          </a:lnRef>
+          <a:fillRef idx="0">
+            <a:schemeClr val="dk1"/>
+          </a:fillRef>
+          <a:effectRef idx="2">
+            <a:schemeClr val="dk1"/>
+          </a:effectRef>
+          <a:fontRef idx="minor">
+            <a:schemeClr val="tx1"/>
+          </a:fontRef>
+        </p:style>
+      </p:cxnSp>
+      <p:sp>
+        <p:nvSpPr>
+          <p:cNvPr id="43" name="文本框 31">
+            <a:extLst>
+              <a:ext uri="{FF2B5EF4-FFF2-40B4-BE49-F238E27FC236}">
+                <a16:creationId xmlns:a16="http://schemas.microsoft.com/office/drawing/2014/main" id="{B126B18D-B936-EC48-A724-1F1A4B31038B}"/>
+              </a:ext>
+            </a:extLst>
+          </p:cNvPr>
+          <p:cNvSpPr txBox="1"/>
+          <p:nvPr/>
+        </p:nvSpPr>
+        <p:spPr>
+          <a:xfrm>
+            <a:off x="9740183" y="2786463"/>
+            <a:ext cx="287258" cy="292388"/>
+          </a:xfrm>
+          <a:prstGeom prst="rect">
+            <a:avLst/>
+          </a:prstGeom>
+          <a:noFill/>
+        </p:spPr>
+        <p:txBody>
+          <a:bodyPr wrap="square" rtlCol="0">
+            <a:spAutoFit/>
+          </a:bodyPr>
+          <a:lstStyle/>
+          <a:p>
+            <a:r>
+              <a:rPr kumimoji="1" lang="en-US" altLang="zh-CN" sz="1300" dirty="0">
+                <a:latin typeface="Microsoft YaHei" panose="020B0503020204020204" pitchFamily="34" charset="-122"/>
+                <a:ea typeface="Microsoft YaHei" panose="020B0503020204020204" pitchFamily="34" charset="-122"/>
+              </a:rPr>
+              <a:t>n</a:t>
+            </a:r>
+            <a:endParaRPr kumimoji="1" lang="zh-CN" altLang="en-US" sz="1300" dirty="0">
+              <a:latin typeface="Microsoft YaHei" panose="020B0503020204020204" pitchFamily="34" charset="-122"/>
+              <a:ea typeface="Microsoft YaHei" panose="020B0503020204020204" pitchFamily="34" charset="-122"/>
+            </a:endParaRPr>
+          </a:p>
+        </p:txBody>
+      </p:sp>
+      <p:sp>
+        <p:nvSpPr>
+          <p:cNvPr id="44" name="文本框 31">
+            <a:extLst>
+              <a:ext uri="{FF2B5EF4-FFF2-40B4-BE49-F238E27FC236}">
+                <a16:creationId xmlns:a16="http://schemas.microsoft.com/office/drawing/2014/main" id="{C46ABD90-763C-F745-BD9B-E2F6C07277FF}"/>
+              </a:ext>
+            </a:extLst>
+          </p:cNvPr>
+          <p:cNvSpPr txBox="1"/>
+          <p:nvPr/>
+        </p:nvSpPr>
+        <p:spPr>
+          <a:xfrm>
+            <a:off x="9764320" y="3797405"/>
+            <a:ext cx="287258" cy="292388"/>
+          </a:xfrm>
+          <a:prstGeom prst="rect">
+            <a:avLst/>
+          </a:prstGeom>
+          <a:noFill/>
+        </p:spPr>
+        <p:txBody>
+          <a:bodyPr wrap="square" rtlCol="0">
+            <a:spAutoFit/>
+          </a:bodyPr>
+          <a:lstStyle/>
+          <a:p>
+            <a:r>
+              <a:rPr kumimoji="1" lang="en-US" altLang="zh-CN" sz="1300" dirty="0">
+                <a:latin typeface="Microsoft YaHei" panose="020B0503020204020204" pitchFamily="34" charset="-122"/>
+                <a:ea typeface="Microsoft YaHei" panose="020B0503020204020204" pitchFamily="34" charset="-122"/>
+              </a:rPr>
+              <a:t>n</a:t>
+            </a:r>
+            <a:endParaRPr kumimoji="1" lang="zh-CN" altLang="en-US" sz="1300" dirty="0">
+              <a:latin typeface="Microsoft YaHei" panose="020B0503020204020204" pitchFamily="34" charset="-122"/>
+              <a:ea typeface="Microsoft YaHei" panose="020B0503020204020204" pitchFamily="34" charset="-122"/>
+            </a:endParaRPr>
+          </a:p>
+        </p:txBody>
+      </p:sp>
+      <p:sp>
+        <p:nvSpPr>
+          <p:cNvPr id="21" name="TextBox 20">
+            <a:extLst>
+              <a:ext uri="{FF2B5EF4-FFF2-40B4-BE49-F238E27FC236}">
+                <a16:creationId xmlns:a16="http://schemas.microsoft.com/office/drawing/2014/main" id="{C1E7A010-44CE-E942-9F24-3572BC016C21}"/>
+              </a:ext>
+            </a:extLst>
+          </p:cNvPr>
+          <p:cNvSpPr txBox="1"/>
+          <p:nvPr/>
+        </p:nvSpPr>
+        <p:spPr>
+          <a:xfrm>
+            <a:off x="11706837" y="6140741"/>
+            <a:ext cx="184731" cy="369332"/>
+          </a:xfrm>
+          <a:prstGeom prst="rect">
+            <a:avLst/>
+          </a:prstGeom>
+          <a:noFill/>
+        </p:spPr>
+        <p:txBody>
+          <a:bodyPr wrap="none" rtlCol="0">
+            <a:spAutoFit/>
+          </a:bodyPr>
+          <a:lstStyle/>
+          <a:p>
+            <a:endParaRPr lang="en-CN" dirty="0"/>
+          </a:p>
+        </p:txBody>
+      </p:sp>
     </p:spTree>
     <p:extLst>
       <p:ext uri="{BB962C8B-B14F-4D97-AF65-F5344CB8AC3E}">
@@ -10526,7 +11588,7 @@
             <a:pPr algn="ctr"/>
             <a:r>
               <a:rPr kumimoji="1" lang="en-US" altLang="zh-CN" sz="1100" dirty="0" err="1"/>
-              <a:t>MateData</a:t>
+              <a:t>MetaData</a:t>
             </a:r>
             <a:endParaRPr kumimoji="1" lang="zh-CN" altLang="en-US" sz="1100" dirty="0"/>
           </a:p>
@@ -10682,7 +11744,7 @@
             <a:pPr algn="ctr"/>
             <a:r>
               <a:rPr kumimoji="1" lang="en-US" altLang="zh-CN" sz="1100" dirty="0" err="1"/>
-              <a:t>UserMetaData</a:t>
+              <a:t>UserMeta</a:t>
             </a:r>
             <a:r>
               <a:rPr kumimoji="1" lang="en-US" altLang="zh-CN" sz="1100" dirty="0"/>
@@ -10962,7 +12024,7 @@
             <a:pPr algn="ctr"/>
             <a:r>
               <a:rPr lang="en" altLang="zh-CN" sz="1100" dirty="0" err="1"/>
-              <a:t>DataFile</a:t>
+              <a:t>DataFileMeta</a:t>
             </a:r>
             <a:endParaRPr kumimoji="1" lang="zh-CN" altLang="en-US" sz="1100" dirty="0"/>
           </a:p>
@@ -11157,7 +12219,7 @@
             <a:pPr algn="ctr"/>
             <a:r>
               <a:rPr lang="en" altLang="zh-CN" sz="1100" dirty="0" err="1"/>
-              <a:t>DataSet</a:t>
+              <a:t>DataSetMeta</a:t>
             </a:r>
             <a:endParaRPr kumimoji="1" lang="zh-CN" altLang="en-US" sz="1100" dirty="0"/>
           </a:p>
@@ -11336,8 +12398,8 @@
           <a:p>
             <a:pPr algn="ctr"/>
             <a:r>
-              <a:rPr lang="en" altLang="zh-CN" sz="1100" dirty="0"/>
-              <a:t>Project</a:t>
+              <a:rPr lang="en" altLang="zh-CN" sz="1100" dirty="0" err="1"/>
+              <a:t>ProjectMeta</a:t>
             </a:r>
             <a:endParaRPr kumimoji="1" lang="zh-CN" altLang="en-US" sz="1100" dirty="0"/>
           </a:p>
@@ -11477,6 +12539,310 @@
             <a:r>
               <a:rPr kumimoji="1" lang="en-US" altLang="zh-CN" sz="1100" dirty="0"/>
               <a:t>User. </a:t>
+            </a:r>
+            <a:r>
+              <a:rPr kumimoji="1" lang="en-US" altLang="zh-CN" sz="1100" dirty="0" err="1"/>
+              <a:t>dto</a:t>
+            </a:r>
+            <a:endParaRPr kumimoji="1" lang="zh-CN" altLang="en-US" sz="1100" dirty="0"/>
+          </a:p>
+        </p:txBody>
+      </p:sp>
+      <p:sp>
+        <p:nvSpPr>
+          <p:cNvPr id="24" name="矩形 21">
+            <a:extLst>
+              <a:ext uri="{FF2B5EF4-FFF2-40B4-BE49-F238E27FC236}">
+                <a16:creationId xmlns:a16="http://schemas.microsoft.com/office/drawing/2014/main" id="{872B54EA-2100-864E-9892-63E25968E29B}"/>
+              </a:ext>
+            </a:extLst>
+          </p:cNvPr>
+          <p:cNvSpPr/>
+          <p:nvPr/>
+        </p:nvSpPr>
+        <p:spPr>
+          <a:xfrm>
+            <a:off x="3405087" y="5141021"/>
+            <a:ext cx="2001864" cy="1075811"/>
+          </a:xfrm>
+          <a:prstGeom prst="rect">
+            <a:avLst/>
+          </a:prstGeom>
+        </p:spPr>
+        <p:style>
+          <a:lnRef idx="2">
+            <a:schemeClr val="accent6"/>
+          </a:lnRef>
+          <a:fillRef idx="1">
+            <a:schemeClr val="lt1"/>
+          </a:fillRef>
+          <a:effectRef idx="0">
+            <a:schemeClr val="accent6"/>
+          </a:effectRef>
+          <a:fontRef idx="minor">
+            <a:schemeClr val="dk1"/>
+          </a:fontRef>
+        </p:style>
+        <p:txBody>
+          <a:bodyPr rtlCol="0" anchor="ctr"/>
+          <a:lstStyle/>
+          <a:p>
+            <a:pPr marL="171450" indent="-171450">
+              <a:buFontTx/>
+              <a:buChar char="-"/>
+            </a:pPr>
+            <a:r>
+              <a:rPr kumimoji="1" lang="en-US" altLang="zh-CN" sz="900" dirty="0" err="1"/>
+              <a:t>dataFile</a:t>
+            </a:r>
+            <a:r>
+              <a:rPr kumimoji="1" lang="en-US" altLang="zh-CN" sz="900" dirty="0"/>
+              <a:t>: </a:t>
+            </a:r>
+            <a:r>
+              <a:rPr kumimoji="1" lang="en-US" altLang="zh-CN" sz="900" dirty="0" err="1"/>
+              <a:t>DataFile</a:t>
+            </a:r>
+            <a:endParaRPr kumimoji="1" lang="zh-CN" altLang="en-US" sz="900" dirty="0"/>
+          </a:p>
+        </p:txBody>
+      </p:sp>
+      <p:sp>
+        <p:nvSpPr>
+          <p:cNvPr id="29" name="文本框 22">
+            <a:extLst>
+              <a:ext uri="{FF2B5EF4-FFF2-40B4-BE49-F238E27FC236}">
+                <a16:creationId xmlns:a16="http://schemas.microsoft.com/office/drawing/2014/main" id="{413ACD73-A252-A242-AA6F-BD7613AEADB9}"/>
+              </a:ext>
+            </a:extLst>
+          </p:cNvPr>
+          <p:cNvSpPr txBox="1"/>
+          <p:nvPr/>
+        </p:nvSpPr>
+        <p:spPr>
+          <a:xfrm>
+            <a:off x="3395648" y="5141021"/>
+            <a:ext cx="2001863" cy="261610"/>
+          </a:xfrm>
+          <a:prstGeom prst="rect">
+            <a:avLst/>
+          </a:prstGeom>
+          <a:noFill/>
+        </p:spPr>
+        <p:txBody>
+          <a:bodyPr wrap="square" rtlCol="0">
+            <a:spAutoFit/>
+          </a:bodyPr>
+          <a:lstStyle/>
+          <a:p>
+            <a:pPr algn="ctr"/>
+            <a:r>
+              <a:rPr kumimoji="1" lang="en-US" altLang="zh-CN" sz="1100" dirty="0" err="1"/>
+              <a:t>DataFile</a:t>
+            </a:r>
+            <a:r>
+              <a:rPr kumimoji="1" lang="en-US" altLang="zh-CN" sz="1100" dirty="0"/>
+              <a:t>. </a:t>
+            </a:r>
+            <a:r>
+              <a:rPr kumimoji="1" lang="en-US" altLang="zh-CN" sz="1100" dirty="0" err="1"/>
+              <a:t>dto</a:t>
+            </a:r>
+            <a:endParaRPr kumimoji="1" lang="zh-CN" altLang="en-US" sz="1100" dirty="0"/>
+          </a:p>
+        </p:txBody>
+      </p:sp>
+      <p:sp>
+        <p:nvSpPr>
+          <p:cNvPr id="30" name="矩形 21">
+            <a:extLst>
+              <a:ext uri="{FF2B5EF4-FFF2-40B4-BE49-F238E27FC236}">
+                <a16:creationId xmlns:a16="http://schemas.microsoft.com/office/drawing/2014/main" id="{722986C8-3A17-9348-92AA-8F0DEA9D05FA}"/>
+              </a:ext>
+            </a:extLst>
+          </p:cNvPr>
+          <p:cNvSpPr/>
+          <p:nvPr/>
+        </p:nvSpPr>
+        <p:spPr>
+          <a:xfrm>
+            <a:off x="6354705" y="5141021"/>
+            <a:ext cx="2001864" cy="1075811"/>
+          </a:xfrm>
+          <a:prstGeom prst="rect">
+            <a:avLst/>
+          </a:prstGeom>
+        </p:spPr>
+        <p:style>
+          <a:lnRef idx="2">
+            <a:schemeClr val="accent6"/>
+          </a:lnRef>
+          <a:fillRef idx="1">
+            <a:schemeClr val="lt1"/>
+          </a:fillRef>
+          <a:effectRef idx="0">
+            <a:schemeClr val="accent6"/>
+          </a:effectRef>
+          <a:fontRef idx="minor">
+            <a:schemeClr val="dk1"/>
+          </a:fontRef>
+        </p:style>
+        <p:txBody>
+          <a:bodyPr rtlCol="0" anchor="ctr"/>
+          <a:lstStyle/>
+          <a:p>
+            <a:pPr marL="171450" indent="-171450">
+              <a:buFontTx/>
+              <a:buChar char="-"/>
+            </a:pPr>
+            <a:r>
+              <a:rPr kumimoji="1" lang="en-US" altLang="zh-CN" sz="900" dirty="0" err="1"/>
+              <a:t>dataSet</a:t>
+            </a:r>
+            <a:r>
+              <a:rPr kumimoji="1" lang="en-US" altLang="zh-CN" sz="900" dirty="0"/>
+              <a:t>: </a:t>
+            </a:r>
+            <a:r>
+              <a:rPr kumimoji="1" lang="en-US" altLang="zh-CN" sz="900" dirty="0" err="1"/>
+              <a:t>DataSetMeta</a:t>
+            </a:r>
+            <a:endParaRPr kumimoji="1" lang="zh-CN" altLang="en-US" sz="900" dirty="0"/>
+          </a:p>
+        </p:txBody>
+      </p:sp>
+      <p:sp>
+        <p:nvSpPr>
+          <p:cNvPr id="31" name="文本框 22">
+            <a:extLst>
+              <a:ext uri="{FF2B5EF4-FFF2-40B4-BE49-F238E27FC236}">
+                <a16:creationId xmlns:a16="http://schemas.microsoft.com/office/drawing/2014/main" id="{77265EDB-7CBF-2E4C-8A40-7E0663489CCD}"/>
+              </a:ext>
+            </a:extLst>
+          </p:cNvPr>
+          <p:cNvSpPr txBox="1"/>
+          <p:nvPr/>
+        </p:nvSpPr>
+        <p:spPr>
+          <a:xfrm>
+            <a:off x="6345266" y="5141021"/>
+            <a:ext cx="2001863" cy="261610"/>
+          </a:xfrm>
+          <a:prstGeom prst="rect">
+            <a:avLst/>
+          </a:prstGeom>
+          <a:noFill/>
+        </p:spPr>
+        <p:txBody>
+          <a:bodyPr wrap="square" rtlCol="0">
+            <a:spAutoFit/>
+          </a:bodyPr>
+          <a:lstStyle/>
+          <a:p>
+            <a:pPr algn="ctr"/>
+            <a:r>
+              <a:rPr kumimoji="1" lang="en-US" altLang="zh-CN" sz="1100" dirty="0" err="1"/>
+              <a:t>DataSet</a:t>
+            </a:r>
+            <a:r>
+              <a:rPr kumimoji="1" lang="en-US" altLang="zh-CN" sz="1100" dirty="0"/>
+              <a:t>. </a:t>
+            </a:r>
+            <a:r>
+              <a:rPr kumimoji="1" lang="en-US" altLang="zh-CN" sz="1100" dirty="0" err="1"/>
+              <a:t>dto</a:t>
+            </a:r>
+            <a:endParaRPr kumimoji="1" lang="zh-CN" altLang="en-US" sz="1100" dirty="0"/>
+          </a:p>
+        </p:txBody>
+      </p:sp>
+      <p:sp>
+        <p:nvSpPr>
+          <p:cNvPr id="32" name="矩形 21">
+            <a:extLst>
+              <a:ext uri="{FF2B5EF4-FFF2-40B4-BE49-F238E27FC236}">
+                <a16:creationId xmlns:a16="http://schemas.microsoft.com/office/drawing/2014/main" id="{5BE3B6DC-BBF5-EE46-A343-23FBABDE3364}"/>
+              </a:ext>
+            </a:extLst>
+          </p:cNvPr>
+          <p:cNvSpPr/>
+          <p:nvPr/>
+        </p:nvSpPr>
+        <p:spPr>
+          <a:xfrm>
+            <a:off x="9063492" y="5125029"/>
+            <a:ext cx="2001864" cy="1075811"/>
+          </a:xfrm>
+          <a:prstGeom prst="rect">
+            <a:avLst/>
+          </a:prstGeom>
+        </p:spPr>
+        <p:style>
+          <a:lnRef idx="2">
+            <a:schemeClr val="accent6"/>
+          </a:lnRef>
+          <a:fillRef idx="1">
+            <a:schemeClr val="lt1"/>
+          </a:fillRef>
+          <a:effectRef idx="0">
+            <a:schemeClr val="accent6"/>
+          </a:effectRef>
+          <a:fontRef idx="minor">
+            <a:schemeClr val="dk1"/>
+          </a:fontRef>
+        </p:style>
+        <p:txBody>
+          <a:bodyPr rtlCol="0" anchor="ctr"/>
+          <a:lstStyle/>
+          <a:p>
+            <a:pPr marL="171450" indent="-171450">
+              <a:buFontTx/>
+              <a:buChar char="-"/>
+            </a:pPr>
+            <a:r>
+              <a:rPr kumimoji="1" lang="en-US" altLang="zh-CN" sz="900" dirty="0"/>
+              <a:t>project: </a:t>
+            </a:r>
+            <a:r>
+              <a:rPr kumimoji="1" lang="en-US" altLang="zh-CN" sz="900" dirty="0" err="1"/>
+              <a:t>ProjectMeta</a:t>
+            </a:r>
+            <a:endParaRPr kumimoji="1" lang="zh-CN" altLang="en-US" sz="900" dirty="0"/>
+          </a:p>
+        </p:txBody>
+      </p:sp>
+      <p:sp>
+        <p:nvSpPr>
+          <p:cNvPr id="37" name="文本框 22">
+            <a:extLst>
+              <a:ext uri="{FF2B5EF4-FFF2-40B4-BE49-F238E27FC236}">
+                <a16:creationId xmlns:a16="http://schemas.microsoft.com/office/drawing/2014/main" id="{3845DA8F-0671-5447-A3C0-0FF9611201F3}"/>
+              </a:ext>
+            </a:extLst>
+          </p:cNvPr>
+          <p:cNvSpPr txBox="1"/>
+          <p:nvPr/>
+        </p:nvSpPr>
+        <p:spPr>
+          <a:xfrm>
+            <a:off x="9054053" y="5125029"/>
+            <a:ext cx="2001863" cy="261610"/>
+          </a:xfrm>
+          <a:prstGeom prst="rect">
+            <a:avLst/>
+          </a:prstGeom>
+          <a:noFill/>
+        </p:spPr>
+        <p:txBody>
+          <a:bodyPr wrap="square" rtlCol="0">
+            <a:spAutoFit/>
+          </a:bodyPr>
+          <a:lstStyle/>
+          <a:p>
+            <a:pPr algn="ctr"/>
+            <a:r>
+              <a:rPr kumimoji="1" lang="en-US" altLang="zh-CN" sz="1100" dirty="0"/>
+              <a:t>project. </a:t>
             </a:r>
             <a:r>
               <a:rPr kumimoji="1" lang="en-US" altLang="zh-CN" sz="1100" dirty="0" err="1"/>

--- a/各种图/数据管理系统/ER图.pptx
+++ b/各种图/数据管理系统/ER图.pptx
@@ -278,7 +278,7 @@
           <a:p>
             <a:fld id="{760FBDFE-C587-4B4C-A407-44438C67B59E}" type="datetimeFigureOut">
               <a:rPr lang="zh-CN" altLang="en-US" smtClean="0"/>
-              <a:t>2021/12/6</a:t>
+              <a:t>2021/12/7</a:t>
             </a:fld>
             <a:endParaRPr lang="zh-CN" altLang="en-US"/>
           </a:p>
@@ -586,7 +586,7 @@
           <a:p>
             <a:fld id="{760FBDFE-C587-4B4C-A407-44438C67B59E}" type="datetimeFigureOut">
               <a:rPr lang="zh-CN" altLang="en-US" smtClean="0"/>
-              <a:t>2021/12/6</a:t>
+              <a:t>2021/12/7</a:t>
             </a:fld>
             <a:endParaRPr lang="zh-CN" altLang="en-US"/>
           </a:p>
@@ -5921,7 +5921,7 @@
           <a:p>
             <a:r>
               <a:rPr lang="en-US" altLang="zh-CN" sz="800" dirty="0"/>
-              <a:t>1</a:t>
+              <a:t>n</a:t>
             </a:r>
           </a:p>
         </p:txBody>
@@ -6103,7 +6103,7 @@
         <p:spPr>
           <a:xfrm>
             <a:off x="4623560" y="3816384"/>
-            <a:ext cx="239395" cy="213995"/>
+            <a:ext cx="239395" cy="338554"/>
           </a:xfrm>
           <a:prstGeom prst="rect">
             <a:avLst/>
@@ -6118,8 +6118,11 @@
           <a:p>
             <a:r>
               <a:rPr lang="en-US" altLang="zh-CN" sz="800" dirty="0"/>
-              <a:t>1</a:t>
+              <a:t>n</a:t>
             </a:r>
+          </a:p>
+          <a:p>
+            <a:endParaRPr lang="en-US" altLang="zh-CN" sz="800" dirty="0"/>
           </a:p>
         </p:txBody>
       </p:sp>
@@ -9808,8 +9811,8 @@
         </p:nvGrpSpPr>
         <p:grpSpPr>
           <a:xfrm>
-            <a:off x="10086731" y="1761899"/>
-            <a:ext cx="1238437" cy="3574348"/>
+            <a:off x="10086729" y="1761899"/>
+            <a:ext cx="1238439" cy="3574348"/>
             <a:chOff x="6346006" y="883646"/>
             <a:chExt cx="1238437" cy="3574348"/>
           </a:xfrm>
@@ -10390,7 +10393,7 @@
           <p:spPr>
             <a:xfrm>
               <a:off x="6744226" y="2367300"/>
-              <a:ext cx="282450" cy="292388"/>
+              <a:ext cx="287258" cy="292388"/>
             </a:xfrm>
             <a:prstGeom prst="rect">
               <a:avLst/>
@@ -10408,7 +10411,7 @@
                   <a:latin typeface="Microsoft YaHei" panose="020B0503020204020204" pitchFamily="34" charset="-122"/>
                   <a:ea typeface="Microsoft YaHei" panose="020B0503020204020204" pitchFamily="34" charset="-122"/>
                 </a:rPr>
-                <a:t>1</a:t>
+                <a:t>n</a:t>
               </a:r>
               <a:endParaRPr kumimoji="1" lang="zh-CN" altLang="en-US" sz="1300" dirty="0">
                 <a:latin typeface="Microsoft YaHei" panose="020B0503020204020204" pitchFamily="34" charset="-122"/>
@@ -10645,8 +10648,8 @@
         </p:nvCxnSpPr>
         <p:spPr>
           <a:xfrm flipH="1">
-            <a:off x="9680895" y="1981053"/>
-            <a:ext cx="405837" cy="0"/>
+            <a:off x="9680896" y="1981053"/>
+            <a:ext cx="405834" cy="0"/>
           </a:xfrm>
           <a:prstGeom prst="line">
             <a:avLst/>
@@ -10779,7 +10782,7 @@
                 <a:latin typeface="Microsoft YaHei" panose="020B0503020204020204" pitchFamily="34" charset="-122"/>
                 <a:ea typeface="Microsoft YaHei" panose="020B0503020204020204" pitchFamily="34" charset="-122"/>
               </a:rPr>
-              <a:t>1</a:t>
+              <a:t>n</a:t>
             </a:r>
             <a:endParaRPr kumimoji="1" lang="zh-CN" altLang="en-US" sz="1300" dirty="0">
               <a:latin typeface="Microsoft YaHei" panose="020B0503020204020204" pitchFamily="34" charset="-122"/>
